--- a/Brief tech stock analysis.pptx
+++ b/Brief tech stock analysis.pptx
@@ -1064,8 +1064,12 @@
             <a:defRPr cap="all"/>
           </a:pPr>
           <a:r>
+            <a:rPr lang="en-001" dirty="0"/>
+            <a:t>NOK is the most stable of the four stocks, but its rate of return is low. </a:t>
+          </a:r>
+          <a:r>
             <a:rPr lang="en-001"/>
-            <a:t>NOK is the most stable of the four stocks, but its rate of return is low. It is recommended to invest in NOK with a long-term outlook.</a:t>
+            <a:t>It is recommended to invest in nokia if stability is the most important factor.</a:t>
           </a:r>
           <a:endParaRPr lang="en-US" dirty="0"/>
         </a:p>
@@ -1194,8 +1198,8 @@
       </dsp:nvSpPr>
       <dsp:spPr>
         <a:xfrm>
-          <a:off x="0" y="539460"/>
-          <a:ext cx="6669431" cy="1133730"/>
+          <a:off x="0" y="663120"/>
+          <a:ext cx="6669431" cy="1074060"/>
         </a:xfrm>
         <a:prstGeom prst="roundRect">
           <a:avLst/>
@@ -1228,12 +1232,12 @@
         </a:fontRef>
       </dsp:style>
       <dsp:txBody>
-        <a:bodyPr spcFirstLastPara="0" vert="horz" wrap="square" lIns="72390" tIns="72390" rIns="72390" bIns="72390" numCol="1" spcCol="1270" anchor="ctr" anchorCtr="0">
+        <a:bodyPr spcFirstLastPara="0" vert="horz" wrap="square" lIns="68580" tIns="68580" rIns="68580" bIns="68580" numCol="1" spcCol="1270" anchor="ctr" anchorCtr="0">
           <a:noAutofit/>
         </a:bodyPr>
         <a:lstStyle/>
         <a:p>
-          <a:pPr marL="0" lvl="0" indent="0" algn="l" defTabSz="844550">
+          <a:pPr marL="0" lvl="0" indent="0" algn="l" defTabSz="800100">
             <a:lnSpc>
               <a:spcPct val="100000"/>
             </a:lnSpc>
@@ -1247,15 +1251,15 @@
             <a:defRPr cap="all"/>
           </a:pPr>
           <a:r>
-            <a:rPr lang="en-001" sz="1900" kern="1200"/>
+            <a:rPr lang="en-001" sz="1800" kern="1200"/>
             <a:t>Based on this overall analysis, it is not recommend to invest in TSLA at this time. Its expected return is minimal.</a:t>
           </a:r>
-          <a:endParaRPr lang="en-US" sz="1900" kern="1200"/>
+          <a:endParaRPr lang="en-US" sz="1800" kern="1200"/>
         </a:p>
       </dsp:txBody>
       <dsp:txXfrm>
-        <a:off x="55344" y="594804"/>
-        <a:ext cx="6558743" cy="1023042"/>
+        <a:off x="52431" y="715551"/>
+        <a:ext cx="6564569" cy="969198"/>
       </dsp:txXfrm>
     </dsp:sp>
     <dsp:sp modelId="{0BFC74FD-15C0-014C-A36D-5B7161555B58}">
@@ -1265,8 +1269,8 @@
       </dsp:nvSpPr>
       <dsp:spPr>
         <a:xfrm>
-          <a:off x="0" y="1727910"/>
-          <a:ext cx="6669431" cy="1133730"/>
+          <a:off x="0" y="1789020"/>
+          <a:ext cx="6669431" cy="1074060"/>
         </a:xfrm>
         <a:prstGeom prst="roundRect">
           <a:avLst/>
@@ -1299,12 +1303,12 @@
         </a:fontRef>
       </dsp:style>
       <dsp:txBody>
-        <a:bodyPr spcFirstLastPara="0" vert="horz" wrap="square" lIns="72390" tIns="72390" rIns="72390" bIns="72390" numCol="1" spcCol="1270" anchor="ctr" anchorCtr="0">
+        <a:bodyPr spcFirstLastPara="0" vert="horz" wrap="square" lIns="68580" tIns="68580" rIns="68580" bIns="68580" numCol="1" spcCol="1270" anchor="ctr" anchorCtr="0">
           <a:noAutofit/>
         </a:bodyPr>
         <a:lstStyle/>
         <a:p>
-          <a:pPr marL="0" lvl="0" indent="0" algn="l" defTabSz="844550">
+          <a:pPr marL="0" lvl="0" indent="0" algn="l" defTabSz="800100">
             <a:lnSpc>
               <a:spcPct val="100000"/>
             </a:lnSpc>
@@ -1318,15 +1322,15 @@
             <a:defRPr cap="all"/>
           </a:pPr>
           <a:r>
-            <a:rPr lang="en-001" sz="1900" kern="1200"/>
+            <a:rPr lang="en-001" sz="1800" kern="1200"/>
             <a:t>On the other hand, it is recommended to invest in NVDA. Its rate of return is relatively high and it is a stable stock.</a:t>
           </a:r>
-          <a:endParaRPr lang="en-US" sz="1900" kern="1200"/>
+          <a:endParaRPr lang="en-US" sz="1800" kern="1200"/>
         </a:p>
       </dsp:txBody>
       <dsp:txXfrm>
-        <a:off x="55344" y="1783254"/>
-        <a:ext cx="6558743" cy="1023042"/>
+        <a:off x="52431" y="1841451"/>
+        <a:ext cx="6564569" cy="969198"/>
       </dsp:txXfrm>
     </dsp:sp>
     <dsp:sp modelId="{35EDDFCE-3C59-E64A-ACB0-23B422BBF6CF}">
@@ -1336,8 +1340,8 @@
       </dsp:nvSpPr>
       <dsp:spPr>
         <a:xfrm>
-          <a:off x="0" y="2916360"/>
-          <a:ext cx="6669431" cy="1133730"/>
+          <a:off x="0" y="2914920"/>
+          <a:ext cx="6669431" cy="1074060"/>
         </a:xfrm>
         <a:prstGeom prst="roundRect">
           <a:avLst/>
@@ -1370,12 +1374,12 @@
         </a:fontRef>
       </dsp:style>
       <dsp:txBody>
-        <a:bodyPr spcFirstLastPara="0" vert="horz" wrap="square" lIns="72390" tIns="72390" rIns="72390" bIns="72390" numCol="1" spcCol="1270" anchor="ctr" anchorCtr="0">
+        <a:bodyPr spcFirstLastPara="0" vert="horz" wrap="square" lIns="68580" tIns="68580" rIns="68580" bIns="68580" numCol="1" spcCol="1270" anchor="ctr" anchorCtr="0">
           <a:noAutofit/>
         </a:bodyPr>
         <a:lstStyle/>
         <a:p>
-          <a:pPr marL="0" lvl="0" indent="0" algn="l" defTabSz="844550">
+          <a:pPr marL="0" lvl="0" indent="0" algn="l" defTabSz="800100">
             <a:lnSpc>
               <a:spcPct val="100000"/>
             </a:lnSpc>
@@ -1389,15 +1393,15 @@
             <a:defRPr cap="all"/>
           </a:pPr>
           <a:r>
-            <a:rPr lang="en-001" sz="1900" kern="1200"/>
+            <a:rPr lang="en-001" sz="1800" kern="1200"/>
             <a:t>GME is positive right now with a decent rate of return, but its volatility is not as stable as NVDA or NOK.</a:t>
           </a:r>
-          <a:endParaRPr lang="en-US" sz="1900" kern="1200"/>
+          <a:endParaRPr lang="en-US" sz="1800" kern="1200"/>
         </a:p>
       </dsp:txBody>
       <dsp:txXfrm>
-        <a:off x="55344" y="2971704"/>
-        <a:ext cx="6558743" cy="1023042"/>
+        <a:off x="52431" y="2967351"/>
+        <a:ext cx="6564569" cy="969198"/>
       </dsp:txXfrm>
     </dsp:sp>
     <dsp:sp modelId="{4391DBD0-3A9D-4842-9C16-183A0777FC10}">
@@ -1407,8 +1411,8 @@
       </dsp:nvSpPr>
       <dsp:spPr>
         <a:xfrm>
-          <a:off x="0" y="4104810"/>
-          <a:ext cx="6669431" cy="1133730"/>
+          <a:off x="0" y="4040820"/>
+          <a:ext cx="6669431" cy="1074060"/>
         </a:xfrm>
         <a:prstGeom prst="roundRect">
           <a:avLst/>
@@ -1441,12 +1445,12 @@
         </a:fontRef>
       </dsp:style>
       <dsp:txBody>
-        <a:bodyPr spcFirstLastPara="0" vert="horz" wrap="square" lIns="72390" tIns="72390" rIns="72390" bIns="72390" numCol="1" spcCol="1270" anchor="ctr" anchorCtr="0">
+        <a:bodyPr spcFirstLastPara="0" vert="horz" wrap="square" lIns="68580" tIns="68580" rIns="68580" bIns="68580" numCol="1" spcCol="1270" anchor="ctr" anchorCtr="0">
           <a:noAutofit/>
         </a:bodyPr>
         <a:lstStyle/>
         <a:p>
-          <a:pPr marL="0" lvl="0" indent="0" algn="l" defTabSz="844550">
+          <a:pPr marL="0" lvl="0" indent="0" algn="l" defTabSz="800100">
             <a:lnSpc>
               <a:spcPct val="100000"/>
             </a:lnSpc>
@@ -1460,15 +1464,19 @@
             <a:defRPr cap="all"/>
           </a:pPr>
           <a:r>
-            <a:rPr lang="en-001" sz="1900" kern="1200"/>
-            <a:t>NOK is the most stable of the four stocks, but its rate of return is low. It is recommended to invest in NOK with a long-term outlook.</a:t>
+            <a:rPr lang="en-001" sz="1800" kern="1200" dirty="0"/>
+            <a:t>NOK is the most stable of the four stocks, but its rate of return is low. </a:t>
           </a:r>
-          <a:endParaRPr lang="en-US" sz="1900" kern="1200" dirty="0"/>
+          <a:r>
+            <a:rPr lang="en-001" sz="1800" kern="1200"/>
+            <a:t>It is recommended to invest in nokia if stability is the most important factor.</a:t>
+          </a:r>
+          <a:endParaRPr lang="en-US" sz="1800" kern="1200" dirty="0"/>
         </a:p>
       </dsp:txBody>
       <dsp:txXfrm>
-        <a:off x="55344" y="4160154"/>
-        <a:ext cx="6558743" cy="1023042"/>
+        <a:off x="52431" y="4093251"/>
+        <a:ext cx="6564569" cy="969198"/>
       </dsp:txXfrm>
     </dsp:sp>
   </dsp:spTree>
@@ -2835,7 +2843,7 @@
           <a:p>
             <a:fld id="{64F0E216-BA48-4F04-AC4F-645AA0DD6AC6}" type="datetimeFigureOut">
               <a:rPr lang="en-US" smtClean="0"/>
-              <a:t>6/21/24</a:t>
+              <a:t>6/24/24</a:t>
             </a:fld>
             <a:endParaRPr lang="en-US" dirty="0"/>
           </a:p>
@@ -3883,7 +3891,7 @@
           <a:p>
             <a:fld id="{64F0E216-BA48-4F04-AC4F-645AA0DD6AC6}" type="datetimeFigureOut">
               <a:rPr lang="en-US" smtClean="0"/>
-              <a:t>6/21/24</a:t>
+              <a:t>6/24/24</a:t>
             </a:fld>
             <a:endParaRPr lang="en-US"/>
           </a:p>
@@ -4119,7 +4127,7 @@
           <a:p>
             <a:fld id="{64F0E216-BA48-4F04-AC4F-645AA0DD6AC6}" type="datetimeFigureOut">
               <a:rPr lang="en-US" smtClean="0"/>
-              <a:t>6/21/24</a:t>
+              <a:t>6/24/24</a:t>
             </a:fld>
             <a:endParaRPr lang="en-US"/>
           </a:p>
@@ -4342,7 +4350,7 @@
           <a:p>
             <a:fld id="{64F0E216-BA48-4F04-AC4F-645AA0DD6AC6}" type="datetimeFigureOut">
               <a:rPr lang="en-US" smtClean="0"/>
-              <a:t>6/21/24</a:t>
+              <a:t>6/24/24</a:t>
             </a:fld>
             <a:endParaRPr lang="en-US"/>
           </a:p>
@@ -4644,7 +4652,7 @@
           <a:p>
             <a:fld id="{64F0E216-BA48-4F04-AC4F-645AA0DD6AC6}" type="datetimeFigureOut">
               <a:rPr lang="en-US" smtClean="0"/>
-              <a:t>6/21/24</a:t>
+              <a:t>6/24/24</a:t>
             </a:fld>
             <a:endParaRPr lang="en-US"/>
           </a:p>
@@ -6108,7 +6116,7 @@
           <a:p>
             <a:fld id="{64F0E216-BA48-4F04-AC4F-645AA0DD6AC6}" type="datetimeFigureOut">
               <a:rPr lang="en-US" smtClean="0"/>
-              <a:t>6/21/24</a:t>
+              <a:t>6/24/24</a:t>
             </a:fld>
             <a:endParaRPr lang="en-US"/>
           </a:p>
@@ -6575,7 +6583,7 @@
           <a:p>
             <a:fld id="{64F0E216-BA48-4F04-AC4F-645AA0DD6AC6}" type="datetimeFigureOut">
               <a:rPr lang="en-US" smtClean="0"/>
-              <a:t>6/21/24</a:t>
+              <a:t>6/24/24</a:t>
             </a:fld>
             <a:endParaRPr lang="en-US"/>
           </a:p>
@@ -6750,7 +6758,7 @@
           <a:p>
             <a:fld id="{64F0E216-BA48-4F04-AC4F-645AA0DD6AC6}" type="datetimeFigureOut">
               <a:rPr lang="en-US" smtClean="0"/>
-              <a:t>6/21/24</a:t>
+              <a:t>6/24/24</a:t>
             </a:fld>
             <a:endParaRPr lang="en-US"/>
           </a:p>
@@ -6887,7 +6895,7 @@
           <a:p>
             <a:fld id="{64F0E216-BA48-4F04-AC4F-645AA0DD6AC6}" type="datetimeFigureOut">
               <a:rPr lang="en-US" smtClean="0"/>
-              <a:t>6/21/24</a:t>
+              <a:t>6/24/24</a:t>
             </a:fld>
             <a:endParaRPr lang="en-US"/>
           </a:p>
@@ -7237,7 +7245,7 @@
           <a:p>
             <a:fld id="{64F0E216-BA48-4F04-AC4F-645AA0DD6AC6}" type="datetimeFigureOut">
               <a:rPr lang="en-US" smtClean="0"/>
-              <a:t>6/21/24</a:t>
+              <a:t>6/24/24</a:t>
             </a:fld>
             <a:endParaRPr lang="en-US"/>
           </a:p>
@@ -7558,7 +7566,7 @@
           <a:p>
             <a:fld id="{64F0E216-BA48-4F04-AC4F-645AA0DD6AC6}" type="datetimeFigureOut">
               <a:rPr lang="en-US" smtClean="0"/>
-              <a:t>6/21/24</a:t>
+              <a:t>6/24/24</a:t>
             </a:fld>
             <a:endParaRPr lang="en-US"/>
           </a:p>
@@ -7820,7 +7828,7 @@
             <a:fld id="{64F0E216-BA48-4F04-AC4F-645AA0DD6AC6}" type="datetimeFigureOut">
               <a:rPr lang="en-US" smtClean="0"/>
               <a:pPr/>
-              <a:t>6/21/24</a:t>
+              <a:t>6/24/24</a:t>
             </a:fld>
             <a:endParaRPr lang="en-US" dirty="0"/>
           </a:p>
@@ -10083,7 +10091,7 @@
             <p:ph idx="1"/>
             <p:extLst>
               <p:ext uri="{D42A27DB-BD31-4B8C-83A1-F6EECF244321}">
-                <p14:modId xmlns:p14="http://schemas.microsoft.com/office/powerpoint/2010/main" val="631144858"/>
+                <p14:modId xmlns:p14="http://schemas.microsoft.com/office/powerpoint/2010/main" val="297951844"/>
               </p:ext>
             </p:extLst>
           </p:nvPr>
@@ -10841,7 +10849,7 @@
         </p:spPr>
         <p:txBody>
           <a:bodyPr>
-            <a:normAutofit/>
+            <a:normAutofit fontScale="92500"/>
           </a:bodyPr>
           <a:lstStyle/>
           <a:p>
@@ -10852,14 +10860,15 @@
             </a:pPr>
             <a:r>
               <a:rPr lang="en-001" sz="1700" dirty="0"/>
-              <a:t>Nokia is a Finnish corporation, primarily known for their mobile phone popularity a couple of decades ago. They have since acquired Alcatel-Lucent, whose research organization, Bell Labs, has a rich history in technological innovation over the past century. Bell Labs has contributed programming languages, accessible telecommunications, lasers and optical fiber.</a:t>
+              <a:t>Nokia is a Finnish corporation, primarily known for their mobile phone popularity a couple of decades ago. Nokia is now a major manufacturer of network equipment. They have also acquired Alcatel-Lucent, whose research organization, Bell Labs, has a rich history in technological innovation over the past century. Bell Labs has contributed programming languages, accessible telecommunications, lasers and optical fiber.</a:t>
             </a:r>
           </a:p>
           <a:p>
-            <a:pPr>
+            <a:pPr marL="0" indent="0">
               <a:lnSpc>
                 <a:spcPct val="115000"/>
               </a:lnSpc>
+              <a:buNone/>
             </a:pPr>
             <a:endParaRPr lang="en-001" sz="1700" dirty="0"/>
           </a:p>
@@ -12753,24 +12762,24 @@
               </a:lnSpc>
             </a:pPr>
             <a:r>
-              <a:rPr lang="en-001" sz="1700"/>
+              <a:rPr lang="en-001" sz="1700" dirty="0"/>
               <a:t>These graphs chart daily rates of return for each of </a:t>
             </a:r>
             <a:r>
-              <a:rPr lang="en-GB" sz="1700" err="1"/>
+              <a:rPr lang="en-GB" sz="1700" dirty="0" err="1"/>
               <a:t>th</a:t>
             </a:r>
             <a:r>
-              <a:rPr lang="en-001" sz="1700"/>
-              <a:t>e four stocks. It is evident, that especially recently, GameStop had significant changes ranging from .6% increase to a 3% decrease. Nokia’s returns were more stable </a:t>
+              <a:rPr lang="en-001" sz="1700" dirty="0"/>
+              <a:t>e four stocks. It is evident, that especially recently, GameStop had significant changes ranging from .6% increase to a -.3% decrease. Nokia’s returns were more stable </a:t>
             </a:r>
             <a:r>
-              <a:rPr lang="en-GB" sz="1700" err="1"/>
+              <a:rPr lang="en-GB" sz="1700" dirty="0" err="1"/>
               <a:t>wi</a:t>
             </a:r>
             <a:r>
-              <a:rPr lang="en-001" sz="1700"/>
-              <a:t>th its highest increase being .1% and its lowest decrease being -1%.</a:t>
+              <a:rPr lang="en-001" sz="1700" dirty="0"/>
+              <a:t>th its highest increase being .1% and its lowest decrease being -.1%.</a:t>
             </a:r>
           </a:p>
         </p:txBody>

--- a/Brief tech stock analysis.pptx
+++ b/Brief tech stock analysis.pptx
@@ -17,8 +17,9 @@
     <p:sldId id="265" r:id="rId11"/>
     <p:sldId id="266" r:id="rId12"/>
     <p:sldId id="267" r:id="rId13"/>
-    <p:sldId id="268" r:id="rId14"/>
-    <p:sldId id="269" r:id="rId15"/>
+    <p:sldId id="270" r:id="rId14"/>
+    <p:sldId id="268" r:id="rId15"/>
+    <p:sldId id="269" r:id="rId16"/>
   </p:sldIdLst>
   <p:sldSz cx="12192000" cy="6858000"/>
   <p:notesSz cx="6858000" cy="9144000"/>
@@ -935,10 +936,10 @@
             <a:defRPr cap="all"/>
           </a:pPr>
           <a:r>
-            <a:rPr lang="en-001"/>
-            <a:t>Based on this overall analysis, it is not recommend to invest in TSLA at this time. Its expected return is minimal.</a:t>
+            <a:rPr lang="en-001" dirty="0"/>
+            <a:t>Based on this overall analysis, it is not recommend to invest in TSLA at this time. Its expected return is minimal and its risk is high.</a:t>
           </a:r>
-          <a:endParaRPr lang="en-US"/>
+          <a:endParaRPr lang="en-US" dirty="0"/>
         </a:p>
       </dgm:t>
     </dgm:pt>
@@ -978,10 +979,10 @@
             <a:defRPr cap="all"/>
           </a:pPr>
           <a:r>
-            <a:rPr lang="en-001"/>
+            <a:rPr lang="en-001" dirty="0"/>
             <a:t>On the other hand, it is recommended to invest in NVDA. Its rate of return is relatively high and it is a stable stock.</a:t>
           </a:r>
-          <a:endParaRPr lang="en-US"/>
+          <a:endParaRPr lang="en-US" dirty="0"/>
         </a:p>
       </dgm:t>
     </dgm:pt>
@@ -1065,11 +1066,7 @@
           </a:pPr>
           <a:r>
             <a:rPr lang="en-001" dirty="0"/>
-            <a:t>NOK is the most stable of the four stocks, but its rate of return is low. </a:t>
-          </a:r>
-          <a:r>
-            <a:rPr lang="en-001"/>
-            <a:t>It is recommended to invest in nokia if stability is the most important factor.</a:t>
+            <a:t>NOK is the most stable of the four stocks, but its rate of return is very low.</a:t>
           </a:r>
           <a:endParaRPr lang="en-US" dirty="0"/>
         </a:p>
@@ -1198,8 +1195,8 @@
       </dsp:nvSpPr>
       <dsp:spPr>
         <a:xfrm>
-          <a:off x="0" y="663120"/>
-          <a:ext cx="6669431" cy="1074060"/>
+          <a:off x="0" y="415799"/>
+          <a:ext cx="6669431" cy="1193400"/>
         </a:xfrm>
         <a:prstGeom prst="roundRect">
           <a:avLst/>
@@ -1232,12 +1229,12 @@
         </a:fontRef>
       </dsp:style>
       <dsp:txBody>
-        <a:bodyPr spcFirstLastPara="0" vert="horz" wrap="square" lIns="68580" tIns="68580" rIns="68580" bIns="68580" numCol="1" spcCol="1270" anchor="ctr" anchorCtr="0">
+        <a:bodyPr spcFirstLastPara="0" vert="horz" wrap="square" lIns="76200" tIns="76200" rIns="76200" bIns="76200" numCol="1" spcCol="1270" anchor="ctr" anchorCtr="0">
           <a:noAutofit/>
         </a:bodyPr>
         <a:lstStyle/>
         <a:p>
-          <a:pPr marL="0" lvl="0" indent="0" algn="l" defTabSz="800100">
+          <a:pPr marL="0" lvl="0" indent="0" algn="l" defTabSz="889000">
             <a:lnSpc>
               <a:spcPct val="100000"/>
             </a:lnSpc>
@@ -1251,15 +1248,15 @@
             <a:defRPr cap="all"/>
           </a:pPr>
           <a:r>
-            <a:rPr lang="en-001" sz="1800" kern="1200"/>
-            <a:t>Based on this overall analysis, it is not recommend to invest in TSLA at this time. Its expected return is minimal.</a:t>
+            <a:rPr lang="en-001" sz="2000" kern="1200" dirty="0"/>
+            <a:t>Based on this overall analysis, it is not recommend to invest in TSLA at this time. Its expected return is minimal and its risk is high.</a:t>
           </a:r>
-          <a:endParaRPr lang="en-US" sz="1800" kern="1200"/>
+          <a:endParaRPr lang="en-US" sz="2000" kern="1200" dirty="0"/>
         </a:p>
       </dsp:txBody>
       <dsp:txXfrm>
-        <a:off x="52431" y="715551"/>
-        <a:ext cx="6564569" cy="969198"/>
+        <a:off x="58257" y="474056"/>
+        <a:ext cx="6552917" cy="1076886"/>
       </dsp:txXfrm>
     </dsp:sp>
     <dsp:sp modelId="{0BFC74FD-15C0-014C-A36D-5B7161555B58}">
@@ -1269,8 +1266,8 @@
       </dsp:nvSpPr>
       <dsp:spPr>
         <a:xfrm>
-          <a:off x="0" y="1789020"/>
-          <a:ext cx="6669431" cy="1074060"/>
+          <a:off x="0" y="1666800"/>
+          <a:ext cx="6669431" cy="1193400"/>
         </a:xfrm>
         <a:prstGeom prst="roundRect">
           <a:avLst/>
@@ -1303,12 +1300,12 @@
         </a:fontRef>
       </dsp:style>
       <dsp:txBody>
-        <a:bodyPr spcFirstLastPara="0" vert="horz" wrap="square" lIns="68580" tIns="68580" rIns="68580" bIns="68580" numCol="1" spcCol="1270" anchor="ctr" anchorCtr="0">
+        <a:bodyPr spcFirstLastPara="0" vert="horz" wrap="square" lIns="76200" tIns="76200" rIns="76200" bIns="76200" numCol="1" spcCol="1270" anchor="ctr" anchorCtr="0">
           <a:noAutofit/>
         </a:bodyPr>
         <a:lstStyle/>
         <a:p>
-          <a:pPr marL="0" lvl="0" indent="0" algn="l" defTabSz="800100">
+          <a:pPr marL="0" lvl="0" indent="0" algn="l" defTabSz="889000">
             <a:lnSpc>
               <a:spcPct val="100000"/>
             </a:lnSpc>
@@ -1322,15 +1319,15 @@
             <a:defRPr cap="all"/>
           </a:pPr>
           <a:r>
-            <a:rPr lang="en-001" sz="1800" kern="1200"/>
+            <a:rPr lang="en-001" sz="2000" kern="1200" dirty="0"/>
             <a:t>On the other hand, it is recommended to invest in NVDA. Its rate of return is relatively high and it is a stable stock.</a:t>
           </a:r>
-          <a:endParaRPr lang="en-US" sz="1800" kern="1200"/>
+          <a:endParaRPr lang="en-US" sz="2000" kern="1200" dirty="0"/>
         </a:p>
       </dsp:txBody>
       <dsp:txXfrm>
-        <a:off x="52431" y="1841451"/>
-        <a:ext cx="6564569" cy="969198"/>
+        <a:off x="58257" y="1725057"/>
+        <a:ext cx="6552917" cy="1076886"/>
       </dsp:txXfrm>
     </dsp:sp>
     <dsp:sp modelId="{35EDDFCE-3C59-E64A-ACB0-23B422BBF6CF}">
@@ -1340,8 +1337,8 @@
       </dsp:nvSpPr>
       <dsp:spPr>
         <a:xfrm>
-          <a:off x="0" y="2914920"/>
-          <a:ext cx="6669431" cy="1074060"/>
+          <a:off x="0" y="2917800"/>
+          <a:ext cx="6669431" cy="1193400"/>
         </a:xfrm>
         <a:prstGeom prst="roundRect">
           <a:avLst/>
@@ -1374,12 +1371,12 @@
         </a:fontRef>
       </dsp:style>
       <dsp:txBody>
-        <a:bodyPr spcFirstLastPara="0" vert="horz" wrap="square" lIns="68580" tIns="68580" rIns="68580" bIns="68580" numCol="1" spcCol="1270" anchor="ctr" anchorCtr="0">
+        <a:bodyPr spcFirstLastPara="0" vert="horz" wrap="square" lIns="76200" tIns="76200" rIns="76200" bIns="76200" numCol="1" spcCol="1270" anchor="ctr" anchorCtr="0">
           <a:noAutofit/>
         </a:bodyPr>
         <a:lstStyle/>
         <a:p>
-          <a:pPr marL="0" lvl="0" indent="0" algn="l" defTabSz="800100">
+          <a:pPr marL="0" lvl="0" indent="0" algn="l" defTabSz="889000">
             <a:lnSpc>
               <a:spcPct val="100000"/>
             </a:lnSpc>
@@ -1393,15 +1390,15 @@
             <a:defRPr cap="all"/>
           </a:pPr>
           <a:r>
-            <a:rPr lang="en-001" sz="1800" kern="1200"/>
+            <a:rPr lang="en-001" sz="2000" kern="1200"/>
             <a:t>GME is positive right now with a decent rate of return, but its volatility is not as stable as NVDA or NOK.</a:t>
           </a:r>
-          <a:endParaRPr lang="en-US" sz="1800" kern="1200"/>
+          <a:endParaRPr lang="en-US" sz="2000" kern="1200"/>
         </a:p>
       </dsp:txBody>
       <dsp:txXfrm>
-        <a:off x="52431" y="2967351"/>
-        <a:ext cx="6564569" cy="969198"/>
+        <a:off x="58257" y="2976057"/>
+        <a:ext cx="6552917" cy="1076886"/>
       </dsp:txXfrm>
     </dsp:sp>
     <dsp:sp modelId="{4391DBD0-3A9D-4842-9C16-183A0777FC10}">
@@ -1411,8 +1408,8 @@
       </dsp:nvSpPr>
       <dsp:spPr>
         <a:xfrm>
-          <a:off x="0" y="4040820"/>
-          <a:ext cx="6669431" cy="1074060"/>
+          <a:off x="0" y="4168800"/>
+          <a:ext cx="6669431" cy="1193400"/>
         </a:xfrm>
         <a:prstGeom prst="roundRect">
           <a:avLst/>
@@ -1445,12 +1442,12 @@
         </a:fontRef>
       </dsp:style>
       <dsp:txBody>
-        <a:bodyPr spcFirstLastPara="0" vert="horz" wrap="square" lIns="68580" tIns="68580" rIns="68580" bIns="68580" numCol="1" spcCol="1270" anchor="ctr" anchorCtr="0">
+        <a:bodyPr spcFirstLastPara="0" vert="horz" wrap="square" lIns="76200" tIns="76200" rIns="76200" bIns="76200" numCol="1" spcCol="1270" anchor="ctr" anchorCtr="0">
           <a:noAutofit/>
         </a:bodyPr>
         <a:lstStyle/>
         <a:p>
-          <a:pPr marL="0" lvl="0" indent="0" algn="l" defTabSz="800100">
+          <a:pPr marL="0" lvl="0" indent="0" algn="l" defTabSz="889000">
             <a:lnSpc>
               <a:spcPct val="100000"/>
             </a:lnSpc>
@@ -1464,19 +1461,15 @@
             <a:defRPr cap="all"/>
           </a:pPr>
           <a:r>
-            <a:rPr lang="en-001" sz="1800" kern="1200" dirty="0"/>
-            <a:t>NOK is the most stable of the four stocks, but its rate of return is low. </a:t>
+            <a:rPr lang="en-001" sz="2000" kern="1200" dirty="0"/>
+            <a:t>NOK is the most stable of the four stocks, but its rate of return is very low.</a:t>
           </a:r>
-          <a:r>
-            <a:rPr lang="en-001" sz="1800" kern="1200"/>
-            <a:t>It is recommended to invest in nokia if stability is the most important factor.</a:t>
-          </a:r>
-          <a:endParaRPr lang="en-US" sz="1800" kern="1200" dirty="0"/>
+          <a:endParaRPr lang="en-US" sz="2000" kern="1200" dirty="0"/>
         </a:p>
       </dsp:txBody>
       <dsp:txXfrm>
-        <a:off x="52431" y="4093251"/>
-        <a:ext cx="6564569" cy="969198"/>
+        <a:off x="58257" y="4227057"/>
+        <a:ext cx="6552917" cy="1076886"/>
       </dsp:txXfrm>
     </dsp:sp>
   </dsp:spTree>
@@ -2843,7 +2836,7 @@
           <a:p>
             <a:fld id="{64F0E216-BA48-4F04-AC4F-645AA0DD6AC6}" type="datetimeFigureOut">
               <a:rPr lang="en-US" smtClean="0"/>
-              <a:t>6/24/24</a:t>
+              <a:t>6/27/24</a:t>
             </a:fld>
             <a:endParaRPr lang="en-US" dirty="0"/>
           </a:p>
@@ -3891,7 +3884,7 @@
           <a:p>
             <a:fld id="{64F0E216-BA48-4F04-AC4F-645AA0DD6AC6}" type="datetimeFigureOut">
               <a:rPr lang="en-US" smtClean="0"/>
-              <a:t>6/24/24</a:t>
+              <a:t>6/27/24</a:t>
             </a:fld>
             <a:endParaRPr lang="en-US"/>
           </a:p>
@@ -4127,7 +4120,7 @@
           <a:p>
             <a:fld id="{64F0E216-BA48-4F04-AC4F-645AA0DD6AC6}" type="datetimeFigureOut">
               <a:rPr lang="en-US" smtClean="0"/>
-              <a:t>6/24/24</a:t>
+              <a:t>6/27/24</a:t>
             </a:fld>
             <a:endParaRPr lang="en-US"/>
           </a:p>
@@ -4350,7 +4343,7 @@
           <a:p>
             <a:fld id="{64F0E216-BA48-4F04-AC4F-645AA0DD6AC6}" type="datetimeFigureOut">
               <a:rPr lang="en-US" smtClean="0"/>
-              <a:t>6/24/24</a:t>
+              <a:t>6/27/24</a:t>
             </a:fld>
             <a:endParaRPr lang="en-US"/>
           </a:p>
@@ -4652,7 +4645,7 @@
           <a:p>
             <a:fld id="{64F0E216-BA48-4F04-AC4F-645AA0DD6AC6}" type="datetimeFigureOut">
               <a:rPr lang="en-US" smtClean="0"/>
-              <a:t>6/24/24</a:t>
+              <a:t>6/27/24</a:t>
             </a:fld>
             <a:endParaRPr lang="en-US"/>
           </a:p>
@@ -6116,7 +6109,7 @@
           <a:p>
             <a:fld id="{64F0E216-BA48-4F04-AC4F-645AA0DD6AC6}" type="datetimeFigureOut">
               <a:rPr lang="en-US" smtClean="0"/>
-              <a:t>6/24/24</a:t>
+              <a:t>6/27/24</a:t>
             </a:fld>
             <a:endParaRPr lang="en-US"/>
           </a:p>
@@ -6583,7 +6576,7 @@
           <a:p>
             <a:fld id="{64F0E216-BA48-4F04-AC4F-645AA0DD6AC6}" type="datetimeFigureOut">
               <a:rPr lang="en-US" smtClean="0"/>
-              <a:t>6/24/24</a:t>
+              <a:t>6/27/24</a:t>
             </a:fld>
             <a:endParaRPr lang="en-US"/>
           </a:p>
@@ -6758,7 +6751,7 @@
           <a:p>
             <a:fld id="{64F0E216-BA48-4F04-AC4F-645AA0DD6AC6}" type="datetimeFigureOut">
               <a:rPr lang="en-US" smtClean="0"/>
-              <a:t>6/24/24</a:t>
+              <a:t>6/27/24</a:t>
             </a:fld>
             <a:endParaRPr lang="en-US"/>
           </a:p>
@@ -6895,7 +6888,7 @@
           <a:p>
             <a:fld id="{64F0E216-BA48-4F04-AC4F-645AA0DD6AC6}" type="datetimeFigureOut">
               <a:rPr lang="en-US" smtClean="0"/>
-              <a:t>6/24/24</a:t>
+              <a:t>6/27/24</a:t>
             </a:fld>
             <a:endParaRPr lang="en-US"/>
           </a:p>
@@ -7245,7 +7238,7 @@
           <a:p>
             <a:fld id="{64F0E216-BA48-4F04-AC4F-645AA0DD6AC6}" type="datetimeFigureOut">
               <a:rPr lang="en-US" smtClean="0"/>
-              <a:t>6/24/24</a:t>
+              <a:t>6/27/24</a:t>
             </a:fld>
             <a:endParaRPr lang="en-US"/>
           </a:p>
@@ -7566,7 +7559,7 @@
           <a:p>
             <a:fld id="{64F0E216-BA48-4F04-AC4F-645AA0DD6AC6}" type="datetimeFigureOut">
               <a:rPr lang="en-US" smtClean="0"/>
-              <a:t>6/24/24</a:t>
+              <a:t>6/27/24</a:t>
             </a:fld>
             <a:endParaRPr lang="en-US"/>
           </a:p>
@@ -7828,7 +7821,7 @@
             <a:fld id="{64F0E216-BA48-4F04-AC4F-645AA0DD6AC6}" type="datetimeFigureOut">
               <a:rPr lang="en-US" smtClean="0"/>
               <a:pPr/>
-              <a:t>6/24/24</a:t>
+              <a:t>6/27/24</a:t>
             </a:fld>
             <a:endParaRPr lang="en-US" dirty="0"/>
           </a:p>
@@ -8565,7 +8558,7 @@
       </p:grpSpPr>
       <p:sp useBgFill="1">
         <p:nvSpPr>
-          <p:cNvPr id="10" name="Rectangle 9">
+          <p:cNvPr id="31" name="Rectangle 30">
             <a:extLst>
               <a:ext uri="{FF2B5EF4-FFF2-40B4-BE49-F238E27FC236}">
                 <a16:creationId xmlns:a16="http://schemas.microsoft.com/office/drawing/2014/main" id="{DB66C9CD-6BF4-44CA-8078-0BB819080761}"/>
@@ -8681,10 +8674,10 @@
       </p:sp>
       <p:pic>
         <p:nvPicPr>
-          <p:cNvPr id="5" name="Picture 4" descr="A graph of a number of blue bars&#10;&#10;Description automatically generated with medium confidence">
-            <a:extLst>
-              <a:ext uri="{FF2B5EF4-FFF2-40B4-BE49-F238E27FC236}">
-                <a16:creationId xmlns:a16="http://schemas.microsoft.com/office/drawing/2014/main" id="{034D2B06-C58F-1FE7-3206-BD1E9EA7C8B7}"/>
+          <p:cNvPr id="14" name="Picture 13" descr="A graph of a number of stocks&#10;&#10;Description automatically generated with medium confidence">
+            <a:extLst>
+              <a:ext uri="{FF2B5EF4-FFF2-40B4-BE49-F238E27FC236}">
+                <a16:creationId xmlns:a16="http://schemas.microsoft.com/office/drawing/2014/main" id="{915AA037-1F38-FB41-F501-00E835307C71}"/>
               </a:ext>
             </a:extLst>
           </p:cNvPr>
@@ -8701,8 +8694,8 @@
         </p:blipFill>
         <p:spPr>
           <a:xfrm>
-            <a:off x="540989" y="1529112"/>
-            <a:ext cx="4996212" cy="3797120"/>
+            <a:off x="540989" y="1566583"/>
+            <a:ext cx="4996212" cy="3722178"/>
           </a:xfrm>
           <a:prstGeom prst="rect">
             <a:avLst/>
@@ -8711,7 +8704,7 @@
       </p:pic>
       <p:cxnSp>
         <p:nvCxnSpPr>
-          <p:cNvPr id="12" name="Straight Connector 11">
+          <p:cNvPr id="33" name="Straight Connector 32">
             <a:extLst>
               <a:ext uri="{FF2B5EF4-FFF2-40B4-BE49-F238E27FC236}">
                 <a16:creationId xmlns:a16="http://schemas.microsoft.com/office/drawing/2014/main" id="{77C6DF49-CBE3-4038-AC78-35DE4FD7CE8E}"/>
@@ -8795,8 +8788,8 @@
               </a:lnSpc>
             </a:pPr>
             <a:r>
-              <a:rPr lang="en-001" sz="1700"/>
-              <a:t>This next chart compares each stock’s average rates of return over the past year. As evidenced here, GME is high in spite of its recent volatility, NVDA is the most profitable and TSLA has a negative rate of return.</a:t>
+              <a:rPr lang="en-001" sz="1700" dirty="0"/>
+              <a:t>This next chart compares each stock’s average rates of return over the past year. As evidenced here, GME and NOK are low, NVDA is the most profitable and TSLA has a negative rate of return.</a:t>
             </a:r>
           </a:p>
           <a:p>
@@ -8806,8 +8799,8 @@
               </a:lnSpc>
             </a:pPr>
             <a:r>
-              <a:rPr lang="en-001" sz="1700"/>
-              <a:t>The actual percentages are as follows: GME (.28%), NOK (0.02%), NVDA (0.44%) and TSLA (-0.01%).</a:t>
+              <a:rPr lang="en-001" sz="1700" dirty="0"/>
+              <a:t>The actual percentages are as follows: GME (.003%), NOK (0.001%), NVDA (0.022%) and TSLA (-0.001%).</a:t>
             </a:r>
           </a:p>
         </p:txBody>
@@ -8852,7 +8845,7 @@
       </p:grpSpPr>
       <p:sp useBgFill="1">
         <p:nvSpPr>
-          <p:cNvPr id="10" name="Rectangle 9">
+          <p:cNvPr id="46" name="Rectangle 45">
             <a:extLst>
               <a:ext uri="{FF2B5EF4-FFF2-40B4-BE49-F238E27FC236}">
                 <a16:creationId xmlns:a16="http://schemas.microsoft.com/office/drawing/2014/main" id="{1AEB7F98-32EC-40D3-89EE-C8433023163A}"/>
@@ -8968,7 +8961,7 @@
       </p:sp>
       <p:cxnSp>
         <p:nvCxnSpPr>
-          <p:cNvPr id="12" name="Straight Connector 11">
+          <p:cNvPr id="48" name="Straight Connector 47">
             <a:extLst>
               <a:ext uri="{FF2B5EF4-FFF2-40B4-BE49-F238E27FC236}">
                 <a16:creationId xmlns:a16="http://schemas.microsoft.com/office/drawing/2014/main" id="{77C6DF49-CBE3-4038-AC78-35DE4FD7CE8E}"/>
@@ -9042,7 +9035,7 @@
         </p:spPr>
         <p:txBody>
           <a:bodyPr>
-            <a:normAutofit fontScale="92500" lnSpcReduction="20000"/>
+            <a:normAutofit/>
           </a:bodyPr>
           <a:lstStyle/>
           <a:p>
@@ -9052,7 +9045,7 @@
               </a:lnSpc>
             </a:pPr>
             <a:r>
-              <a:rPr lang="en-001" dirty="0"/>
+              <a:rPr lang="en-001" sz="1700" dirty="0"/>
               <a:t>How does the standard deviation compare with each stock?</a:t>
             </a:r>
           </a:p>
@@ -9063,15 +9056,15 @@
               </a:lnSpc>
             </a:pPr>
             <a:r>
-              <a:rPr lang="en-001" dirty="0"/>
-              <a:t>Upon analysis, it is evident that GME is significantly more volatile than the other three stocks at 8% standard deviation. However, all of the stocks can be considered relatively predictable.</a:t>
+              <a:rPr lang="en-001" sz="1700" dirty="0"/>
+              <a:t>Upon analysis, it is evident that GME is significantly more volatile than the other three stocks at 10% standard deviation. NOK is the most stable with less than half of GME’s volatility.</a:t>
             </a:r>
           </a:p>
         </p:txBody>
       </p:sp>
       <p:sp>
         <p:nvSpPr>
-          <p:cNvPr id="14" name="Rectangle 13">
+          <p:cNvPr id="50" name="Rectangle 49">
             <a:extLst>
               <a:ext uri="{FF2B5EF4-FFF2-40B4-BE49-F238E27FC236}">
                 <a16:creationId xmlns:a16="http://schemas.microsoft.com/office/drawing/2014/main" id="{DAD9000E-708C-464D-A86F-4ABE391B6BE8}"/>
@@ -9145,10 +9138,10 @@
       </p:sp>
       <p:pic>
         <p:nvPicPr>
-          <p:cNvPr id="5" name="Picture 4" descr="A graph of a number of blue bars&#10;&#10;Description automatically generated">
-            <a:extLst>
-              <a:ext uri="{FF2B5EF4-FFF2-40B4-BE49-F238E27FC236}">
-                <a16:creationId xmlns:a16="http://schemas.microsoft.com/office/drawing/2014/main" id="{A8BCE42F-9FD6-4F9A-398E-243C2EF99F71}"/>
+          <p:cNvPr id="15" name="Picture 14" descr="A graph of a number of blue bars&#10;&#10;Description automatically generated">
+            <a:extLst>
+              <a:ext uri="{FF2B5EF4-FFF2-40B4-BE49-F238E27FC236}">
+                <a16:creationId xmlns:a16="http://schemas.microsoft.com/office/drawing/2014/main" id="{15F5F5AA-21A9-1FCF-85D6-C49E699354F4}"/>
               </a:ext>
             </a:extLst>
           </p:cNvPr>
@@ -9165,8 +9158,8 @@
         </p:blipFill>
         <p:spPr>
           <a:xfrm>
-            <a:off x="5537200" y="1096782"/>
-            <a:ext cx="6113812" cy="4661781"/>
+            <a:off x="5537200" y="1150277"/>
+            <a:ext cx="6113812" cy="4554790"/>
           </a:xfrm>
           <a:prstGeom prst="rect">
             <a:avLst/>
@@ -9213,7 +9206,7 @@
       </p:grpSpPr>
       <p:sp useBgFill="1">
         <p:nvSpPr>
-          <p:cNvPr id="10" name="Rectangle 9">
+          <p:cNvPr id="28" name="Rectangle 27">
             <a:extLst>
               <a:ext uri="{FF2B5EF4-FFF2-40B4-BE49-F238E27FC236}">
                 <a16:creationId xmlns:a16="http://schemas.microsoft.com/office/drawing/2014/main" id="{EEE96A74-B62B-4642-AB22-7776A5F48CE7}"/>
@@ -9330,7 +9323,7 @@
       </p:sp>
       <p:cxnSp>
         <p:nvCxnSpPr>
-          <p:cNvPr id="12" name="Straight Connector 11">
+          <p:cNvPr id="30" name="Straight Connector 29">
             <a:extLst>
               <a:ext uri="{FF2B5EF4-FFF2-40B4-BE49-F238E27FC236}">
                 <a16:creationId xmlns:a16="http://schemas.microsoft.com/office/drawing/2014/main" id="{3A513CAD-9784-4D35-BAF9-1F7DDD697BDB}"/>
@@ -9404,7 +9397,7 @@
         </p:spPr>
         <p:txBody>
           <a:bodyPr anchor="ctr">
-            <a:normAutofit fontScale="92500" lnSpcReduction="20000"/>
+            <a:normAutofit fontScale="92500" lnSpcReduction="10000"/>
           </a:bodyPr>
           <a:lstStyle/>
           <a:p>
@@ -9414,31 +9407,31 @@
               </a:lnSpc>
             </a:pPr>
             <a:r>
-              <a:rPr lang="en-001" sz="1700" dirty="0"/>
+              <a:rPr lang="en-001" sz="1600" dirty="0"/>
               <a:t>The correlation of each stock to each of </a:t>
             </a:r>
             <a:r>
-              <a:rPr lang="en-GB" sz="1700" dirty="0" err="1"/>
+              <a:rPr lang="en-GB" sz="1600" dirty="0" err="1"/>
               <a:t>th</a:t>
             </a:r>
             <a:r>
-              <a:rPr lang="en-001" sz="1700" dirty="0"/>
+              <a:rPr lang="en-001" sz="1600" dirty="0"/>
               <a:t>e other stocks reveals whether one stock changing is likely to change other stocks. This chart shows the relationships betwe</a:t>
             </a:r>
             <a:r>
-              <a:rPr lang="en-GB" sz="1700" dirty="0"/>
+              <a:rPr lang="en-GB" sz="1600" dirty="0"/>
               <a:t>e</a:t>
             </a:r>
             <a:r>
-              <a:rPr lang="en-001" sz="1700" dirty="0"/>
+              <a:rPr lang="en-001" sz="1600" dirty="0"/>
               <a:t>n the chosen stocks. A value of 1 indicates the stocks are very likely to be closely affected in t</a:t>
             </a:r>
             <a:r>
-              <a:rPr lang="en-GB" sz="1700" dirty="0"/>
+              <a:rPr lang="en-GB" sz="1600" dirty="0"/>
               <a:t>he</a:t>
             </a:r>
             <a:r>
-              <a:rPr lang="en-001" sz="1700" dirty="0"/>
+              <a:rPr lang="en-001" sz="1600" dirty="0"/>
               <a:t> same way while a value of 0 indicates that the stocks are not likely to be affected at the same time.</a:t>
             </a:r>
           </a:p>
@@ -9449,7 +9442,7 @@
               </a:lnSpc>
             </a:pPr>
             <a:r>
-              <a:rPr lang="en-001" sz="1700" dirty="0"/>
+              <a:rPr lang="en-001" sz="1600" dirty="0"/>
               <a:t>For example, NOK and TSLA appear to be completely unrelated in the stock market while a change in GME may also slightly affect NOK in a similar way.</a:t>
             </a:r>
           </a:p>
@@ -9457,7 +9450,7 @@
       </p:sp>
       <p:sp useBgFill="1">
         <p:nvSpPr>
-          <p:cNvPr id="14" name="Rectangle 13">
+          <p:cNvPr id="32" name="Rectangle 31">
             <a:extLst>
               <a:ext uri="{FF2B5EF4-FFF2-40B4-BE49-F238E27FC236}">
                 <a16:creationId xmlns:a16="http://schemas.microsoft.com/office/drawing/2014/main" id="{4AD52C5F-F278-4082-B0E5-5FDE4B8E2ED4}"/>
@@ -9531,10 +9524,10 @@
       </p:sp>
       <p:pic>
         <p:nvPicPr>
-          <p:cNvPr id="5" name="Picture 4" descr="A number and numbers on a white background&#10;&#10;Description automatically generated">
-            <a:extLst>
-              <a:ext uri="{FF2B5EF4-FFF2-40B4-BE49-F238E27FC236}">
-                <a16:creationId xmlns:a16="http://schemas.microsoft.com/office/drawing/2014/main" id="{67A1BFBC-6C3A-3E70-53CE-1D00C6FA439D}"/>
+          <p:cNvPr id="8" name="Picture 7" descr="A number of numbers on a white background&#10;&#10;Description automatically generated">
+            <a:extLst>
+              <a:ext uri="{FF2B5EF4-FFF2-40B4-BE49-F238E27FC236}">
+                <a16:creationId xmlns:a16="http://schemas.microsoft.com/office/drawing/2014/main" id="{BE74AD81-3766-6542-6B54-71E1866FD330}"/>
               </a:ext>
             </a:extLst>
           </p:cNvPr>
@@ -9551,8 +9544,8 @@
         </p:blipFill>
         <p:spPr>
           <a:xfrm>
-            <a:off x="1780213" y="4016374"/>
-            <a:ext cx="8631925" cy="2298955"/>
+            <a:off x="1796279" y="4016374"/>
+            <a:ext cx="8599794" cy="2298955"/>
           </a:xfrm>
           <a:prstGeom prst="rect">
             <a:avLst/>
@@ -9599,10 +9592,10 @@
       </p:grpSpPr>
       <p:sp useBgFill="1">
         <p:nvSpPr>
-          <p:cNvPr id="9" name="Rectangle 8">
-            <a:extLst>
-              <a:ext uri="{FF2B5EF4-FFF2-40B4-BE49-F238E27FC236}">
-                <a16:creationId xmlns:a16="http://schemas.microsoft.com/office/drawing/2014/main" id="{DB66C9CD-6BF4-44CA-8078-0BB819080761}"/>
+          <p:cNvPr id="35" name="Rectangle 34">
+            <a:extLst>
+              <a:ext uri="{FF2B5EF4-FFF2-40B4-BE49-F238E27FC236}">
+                <a16:creationId xmlns:a16="http://schemas.microsoft.com/office/drawing/2014/main" id="{1AEB7F98-32EC-40D3-89EE-C8433023163A}"/>
               </a:ext>
               <a:ext uri="{C183D7F6-B498-43B3-948B-1728B52AA6E4}">
                 <adec:decorative xmlns:adec="http://schemas.microsoft.com/office/drawing/2017/decorative" val="1"/>
@@ -9678,7 +9671,7 @@
           <p:cNvPr id="2" name="Title 1">
             <a:extLst>
               <a:ext uri="{FF2B5EF4-FFF2-40B4-BE49-F238E27FC236}">
-                <a16:creationId xmlns:a16="http://schemas.microsoft.com/office/drawing/2014/main" id="{0EFF8322-0C71-B2AF-1E4A-AF3A8BD7CE0C}"/>
+                <a16:creationId xmlns:a16="http://schemas.microsoft.com/office/drawing/2014/main" id="{283E02A0-5B59-C867-34B7-78DD88A83BF1}"/>
               </a:ext>
             </a:extLst>
           </p:cNvPr>
@@ -9691,8 +9684,8 @@
         </p:nvSpPr>
         <p:spPr>
           <a:xfrm>
-            <a:off x="1080000" y="862151"/>
-            <a:ext cx="6120000" cy="1009486"/>
+            <a:off x="540988" y="540033"/>
+            <a:ext cx="3884962" cy="1331604"/>
           </a:xfrm>
         </p:spPr>
         <p:txBody>
@@ -9703,19 +9696,19 @@
           <a:p>
             <a:pPr algn="ctr"/>
             <a:r>
-              <a:rPr lang="en-GB" dirty="0"/>
-              <a:t>P</a:t>
+              <a:rPr lang="en-GB"/>
+              <a:t>E</a:t>
             </a:r>
             <a:r>
-              <a:rPr lang="en-001" dirty="0"/>
-              <a:t>ortfolio recommendations</a:t>
+              <a:rPr lang="en-001"/>
+              <a:t>fficient frontier</a:t>
             </a:r>
           </a:p>
         </p:txBody>
       </p:sp>
       <p:cxnSp>
         <p:nvCxnSpPr>
-          <p:cNvPr id="11" name="Straight Connector 10">
+          <p:cNvPr id="14" name="Straight Connector 13">
             <a:extLst>
               <a:ext uri="{FF2B5EF4-FFF2-40B4-BE49-F238E27FC236}">
                 <a16:creationId xmlns:a16="http://schemas.microsoft.com/office/drawing/2014/main" id="{77C6DF49-CBE3-4038-AC78-35DE4FD7CE8E}"/>
@@ -9738,13 +9731,13 @@
         </p:nvCxnSpPr>
         <p:spPr>
           <a:xfrm>
-            <a:off x="3870000" y="2310207"/>
+            <a:off x="2213469" y="2310207"/>
             <a:ext cx="540000" cy="0"/>
           </a:xfrm>
           <a:prstGeom prst="line">
             <a:avLst/>
           </a:prstGeom>
-          <a:ln w="10160">
+          <a:ln w="12700">
             <a:solidFill>
               <a:schemeClr val="tx1"/>
             </a:solidFill>
@@ -9767,10 +9760,10 @@
       </p:cxnSp>
       <p:sp>
         <p:nvSpPr>
-          <p:cNvPr id="3" name="Content Placeholder 2">
-            <a:extLst>
-              <a:ext uri="{FF2B5EF4-FFF2-40B4-BE49-F238E27FC236}">
-                <a16:creationId xmlns:a16="http://schemas.microsoft.com/office/drawing/2014/main" id="{8D569285-5049-21D9-BE5B-382CA3AE236C}"/>
+          <p:cNvPr id="36" name="Content Placeholder 8">
+            <a:extLst>
+              <a:ext uri="{FF2B5EF4-FFF2-40B4-BE49-F238E27FC236}">
+                <a16:creationId xmlns:a16="http://schemas.microsoft.com/office/drawing/2014/main" id="{9589DB0C-2661-5E97-20E0-A34916FE71D2}"/>
               </a:ext>
             </a:extLst>
           </p:cNvPr>
@@ -9783,53 +9776,109 @@
         </p:nvSpPr>
         <p:spPr>
           <a:xfrm>
-            <a:off x="1080000" y="2759076"/>
-            <a:ext cx="6121400" cy="3471396"/>
+            <a:off x="540988" y="2759076"/>
+            <a:ext cx="3884962" cy="3151065"/>
           </a:xfrm>
         </p:spPr>
         <p:txBody>
           <a:bodyPr>
-            <a:normAutofit fontScale="70000" lnSpcReduction="20000"/>
+            <a:normAutofit fontScale="92500" lnSpcReduction="20000"/>
           </a:bodyPr>
           <a:lstStyle/>
           <a:p>
             <a:r>
-              <a:rPr lang="en-001" dirty="0"/>
-              <a:t>Based on this previous information, here are some stock portfolio recommendations based on $5,000:</a:t>
+              <a:rPr lang="en-US" dirty="0"/>
+              <a:t>Utilizing the four different stocks, five thousand portfolio possibilities were mapped based on expected returns and volatility.</a:t>
             </a:r>
           </a:p>
           <a:p>
             <a:r>
-              <a:rPr lang="en-001" dirty="0"/>
-              <a:t>Invest all $5,000 in NVDA. This has the highest expected return at .44% with only 2.8% volatility.</a:t>
+              <a:rPr lang="en-US" dirty="0"/>
+              <a:t>Of those five thousand possibilities, an efficient frontier is displayed showing the ideal combination of both risk and return.</a:t>
             </a:r>
           </a:p>
-          <a:p>
-            <a:r>
-              <a:rPr lang="en-001" dirty="0"/>
-              <a:t>Invest $3,500 in NVDA, $1,000 in NOK and $500 in GME. This would result in an expected return of 0.33% with 3% volatilility.</a:t>
-            </a:r>
-          </a:p>
-          <a:p>
-            <a:r>
-              <a:rPr lang="en-001" dirty="0"/>
-              <a:t>Invest $2,500 each in NVDA and NOK. This has a lower return of .23%, but only 2.4% volatility.</a:t>
-            </a:r>
-          </a:p>
-          <a:p>
-            <a:r>
-              <a:rPr lang="en-001" dirty="0"/>
-              <a:t>Invest $2,500 in NVDA, $1,000 in NOK, $1,000 in TSLA and $500 in GME. This portfolio has an expected return of 0.24% with a 3.3% volatility rate. This portfolio has the highest risk with one of the lowest expected returns.</a:t>
-            </a:r>
+        </p:txBody>
+      </p:sp>
+      <p:sp>
+        <p:nvSpPr>
+          <p:cNvPr id="37" name="Rectangle 36">
+            <a:extLst>
+              <a:ext uri="{FF2B5EF4-FFF2-40B4-BE49-F238E27FC236}">
+                <a16:creationId xmlns:a16="http://schemas.microsoft.com/office/drawing/2014/main" id="{DAD9000E-708C-464D-A86F-4ABE391B6BE8}"/>
+              </a:ext>
+              <a:ext uri="{C183D7F6-B498-43B3-948B-1728B52AA6E4}">
+                <adec:decorative xmlns:adec="http://schemas.microsoft.com/office/drawing/2017/decorative" val="1"/>
+              </a:ext>
+            </a:extLst>
+          </p:cNvPr>
+          <p:cNvSpPr>
+            <a:spLocks noGrp="1" noRot="1" noChangeAspect="1" noMove="1" noResize="1" noEditPoints="1" noAdjustHandles="1" noChangeArrowheads="1" noChangeShapeType="1" noTextEdit="1"/>
+          </p:cNvSpPr>
+          <p:nvPr>
+            <p:extLst>
+              <p:ext uri="{386F3935-93C4-4BCD-93E2-E3B085C9AB24}">
+                <p16:designElem xmlns:p16="http://schemas.microsoft.com/office/powerpoint/2015/main" val="1"/>
+              </p:ext>
+            </p:extLst>
+          </p:nvPr>
+        </p:nvSpPr>
+        <p:spPr>
+          <a:xfrm>
+            <a:off x="4986337" y="0"/>
+            <a:ext cx="7205663" cy="6858000"/>
+          </a:xfrm>
+          <a:prstGeom prst="rect">
+            <a:avLst/>
+          </a:prstGeom>
+          <a:solidFill>
+            <a:schemeClr val="bg1">
+              <a:alpha val="20000"/>
+            </a:schemeClr>
+          </a:solidFill>
+          <a:ln w="12700" cap="flat" cmpd="sng" algn="ctr">
+            <a:noFill/>
+            <a:prstDash val="solid"/>
+            <a:miter lim="800000"/>
+          </a:ln>
+          <a:effectLst/>
+        </p:spPr>
+        <p:style>
+          <a:lnRef idx="2">
+            <a:schemeClr val="accent1">
+              <a:shade val="50000"/>
+            </a:schemeClr>
+          </a:lnRef>
+          <a:fillRef idx="1">
+            <a:schemeClr val="accent1"/>
+          </a:fillRef>
+          <a:effectRef idx="0">
+            <a:schemeClr val="accent1"/>
+          </a:effectRef>
+          <a:fontRef idx="minor">
+            <a:schemeClr val="lt1"/>
+          </a:fontRef>
+        </p:style>
+        <p:txBody>
+          <a:bodyPr rtlCol="0" anchor="ctr"/>
+          <a:lstStyle/>
+          <a:p>
+            <a:pPr algn="ctr"/>
+            <a:endParaRPr lang="en-US">
+              <a:solidFill>
+                <a:schemeClr val="bg1">
+                  <a:alpha val="20000"/>
+                </a:schemeClr>
+              </a:solidFill>
+            </a:endParaRPr>
           </a:p>
         </p:txBody>
       </p:sp>
       <p:pic>
         <p:nvPicPr>
-          <p:cNvPr id="5" name="Picture 4" descr="Angled shot of pen on a graph">
-            <a:extLst>
-              <a:ext uri="{FF2B5EF4-FFF2-40B4-BE49-F238E27FC236}">
-                <a16:creationId xmlns:a16="http://schemas.microsoft.com/office/drawing/2014/main" id="{F6B06FEF-5389-9978-6221-FCA28BD9A074}"/>
+          <p:cNvPr id="5" name="Content Placeholder 4" descr="A graph of a graph with blue dots&#10;&#10;Description automatically generated with medium confidence">
+            <a:extLst>
+              <a:ext uri="{FF2B5EF4-FFF2-40B4-BE49-F238E27FC236}">
+                <a16:creationId xmlns:a16="http://schemas.microsoft.com/office/drawing/2014/main" id="{4E959C42-FE62-B413-903E-6E149C2008B1}"/>
               </a:ext>
             </a:extLst>
           </p:cNvPr>
@@ -9838,15 +9887,16 @@
           </p:cNvPicPr>
           <p:nvPr/>
         </p:nvPicPr>
-        <p:blipFill rotWithShape="1">
+        <p:blipFill>
           <a:blip r:embed="rId2"/>
-          <a:srcRect l="12428" r="49894" b="-1"/>
-          <a:stretch/>
+          <a:stretch>
+            <a:fillRect/>
+          </a:stretch>
         </p:blipFill>
         <p:spPr>
           <a:xfrm>
-            <a:off x="8321011" y="10"/>
-            <a:ext cx="3870989" cy="6857990"/>
+            <a:off x="5537200" y="1157920"/>
+            <a:ext cx="6113812" cy="4539504"/>
           </a:xfrm>
           <a:prstGeom prst="rect">
             <a:avLst/>
@@ -9856,7 +9906,7 @@
     </p:spTree>
     <p:extLst>
       <p:ext uri="{BB962C8B-B14F-4D97-AF65-F5344CB8AC3E}">
-        <p14:creationId xmlns:p14="http://schemas.microsoft.com/office/powerpoint/2010/main" val="197005483"/>
+        <p14:creationId xmlns:p14="http://schemas.microsoft.com/office/powerpoint/2010/main" val="392192963"/>
       </p:ext>
     </p:extLst>
   </p:cSld>
@@ -9893,10 +9943,10 @@
       </p:grpSpPr>
       <p:sp useBgFill="1">
         <p:nvSpPr>
-          <p:cNvPr id="16" name="Rectangle 15">
-            <a:extLst>
-              <a:ext uri="{FF2B5EF4-FFF2-40B4-BE49-F238E27FC236}">
-                <a16:creationId xmlns:a16="http://schemas.microsoft.com/office/drawing/2014/main" id="{EEE96A74-B62B-4642-AB22-7776A5F48CE7}"/>
+          <p:cNvPr id="9" name="Rectangle 8">
+            <a:extLst>
+              <a:ext uri="{FF2B5EF4-FFF2-40B4-BE49-F238E27FC236}">
+                <a16:creationId xmlns:a16="http://schemas.microsoft.com/office/drawing/2014/main" id="{DB66C9CD-6BF4-44CA-8078-0BB819080761}"/>
               </a:ext>
               <a:ext uri="{C183D7F6-B498-43B3-948B-1728B52AA6E4}">
                 <adec:decorative xmlns:adec="http://schemas.microsoft.com/office/drawing/2017/decorative" val="1"/>
@@ -9972,7 +10022,7 @@
           <p:cNvPr id="2" name="Title 1">
             <a:extLst>
               <a:ext uri="{FF2B5EF4-FFF2-40B4-BE49-F238E27FC236}">
-                <a16:creationId xmlns:a16="http://schemas.microsoft.com/office/drawing/2014/main" id="{2311AFEC-4711-A090-E647-BB86A4C20EBF}"/>
+                <a16:creationId xmlns:a16="http://schemas.microsoft.com/office/drawing/2014/main" id="{0EFF8322-0C71-B2AF-1E4A-AF3A8BD7CE0C}"/>
               </a:ext>
             </a:extLst>
           </p:cNvPr>
@@ -9985,34 +10035,430 @@
         </p:nvSpPr>
         <p:spPr>
           <a:xfrm>
-            <a:off x="541338" y="1079500"/>
-            <a:ext cx="3322637" cy="4689475"/>
+            <a:off x="1080000" y="862151"/>
+            <a:ext cx="6120000" cy="1009486"/>
           </a:xfrm>
         </p:spPr>
         <p:txBody>
-          <a:bodyPr anchor="ctr">
+          <a:bodyPr anchor="b">
             <a:normAutofit/>
           </a:bodyPr>
           <a:lstStyle/>
           <a:p>
             <a:pPr algn="ctr"/>
             <a:r>
-              <a:rPr lang="en-GB" sz="1800"/>
-              <a:t>F</a:t>
+              <a:rPr lang="en-GB" dirty="0"/>
+              <a:t>P</a:t>
             </a:r>
             <a:r>
-              <a:rPr lang="en-001" sz="1800"/>
-              <a:t>inal analysis and recommendations</a:t>
+              <a:rPr lang="en-001" dirty="0"/>
+              <a:t>ortfolio recommendation</a:t>
             </a:r>
           </a:p>
         </p:txBody>
       </p:sp>
+      <p:cxnSp>
+        <p:nvCxnSpPr>
+          <p:cNvPr id="11" name="Straight Connector 10">
+            <a:extLst>
+              <a:ext uri="{FF2B5EF4-FFF2-40B4-BE49-F238E27FC236}">
+                <a16:creationId xmlns:a16="http://schemas.microsoft.com/office/drawing/2014/main" id="{77C6DF49-CBE3-4038-AC78-35DE4FD7CE8E}"/>
+              </a:ext>
+              <a:ext uri="{C183D7F6-B498-43B3-948B-1728B52AA6E4}">
+                <adec:decorative xmlns:adec="http://schemas.microsoft.com/office/drawing/2017/decorative" val="1"/>
+              </a:ext>
+            </a:extLst>
+          </p:cNvPr>
+          <p:cNvCxnSpPr>
+            <a:cxnSpLocks noGrp="1" noRot="1" noChangeAspect="1" noMove="1" noResize="1" noEditPoints="1" noAdjustHandles="1" noChangeArrowheads="1" noChangeShapeType="1"/>
+          </p:cNvCxnSpPr>
+          <p:nvPr>
+            <p:extLst>
+              <p:ext uri="{386F3935-93C4-4BCD-93E2-E3B085C9AB24}">
+                <p16:designElem xmlns:p16="http://schemas.microsoft.com/office/powerpoint/2015/main" val="1"/>
+              </p:ext>
+            </p:extLst>
+          </p:nvPr>
+        </p:nvCxnSpPr>
+        <p:spPr>
+          <a:xfrm>
+            <a:off x="3870000" y="2310207"/>
+            <a:ext cx="540000" cy="0"/>
+          </a:xfrm>
+          <a:prstGeom prst="line">
+            <a:avLst/>
+          </a:prstGeom>
+          <a:ln w="10160">
+            <a:solidFill>
+              <a:schemeClr val="tx1"/>
+            </a:solidFill>
+          </a:ln>
+        </p:spPr>
+        <p:style>
+          <a:lnRef idx="1">
+            <a:schemeClr val="accent1"/>
+          </a:lnRef>
+          <a:fillRef idx="0">
+            <a:schemeClr val="accent1"/>
+          </a:fillRef>
+          <a:effectRef idx="0">
+            <a:schemeClr val="accent1"/>
+          </a:effectRef>
+          <a:fontRef idx="minor">
+            <a:schemeClr val="tx1"/>
+          </a:fontRef>
+        </p:style>
+      </p:cxnSp>
+      <p:graphicFrame>
+        <p:nvGraphicFramePr>
+          <p:cNvPr id="4" name="Content Placeholder 3">
+            <a:extLst>
+              <a:ext uri="{FF2B5EF4-FFF2-40B4-BE49-F238E27FC236}">
+                <a16:creationId xmlns:a16="http://schemas.microsoft.com/office/drawing/2014/main" id="{8324C736-FCF3-781C-22CC-028415906472}"/>
+              </a:ext>
+            </a:extLst>
+          </p:cNvPr>
+          <p:cNvGraphicFramePr>
+            <a:graphicFrameLocks noGrp="1"/>
+          </p:cNvGraphicFramePr>
+          <p:nvPr>
+            <p:ph idx="1"/>
+            <p:extLst>
+              <p:ext uri="{D42A27DB-BD31-4B8C-83A1-F6EECF244321}">
+                <p14:modId xmlns:p14="http://schemas.microsoft.com/office/powerpoint/2010/main" val="1519343903"/>
+              </p:ext>
+            </p:extLst>
+          </p:nvPr>
+        </p:nvGraphicFramePr>
+        <p:xfrm>
+          <a:off x="714703" y="3780603"/>
+          <a:ext cx="7217541" cy="2215245"/>
+        </p:xfrm>
+        <a:graphic>
+          <a:graphicData uri="http://schemas.openxmlformats.org/drawingml/2006/table">
+            <a:tbl>
+              <a:tblPr firstRow="1" bandRow="1">
+                <a:tableStyleId>{5C22544A-7EE6-4342-B048-85BDC9FD1C3A}</a:tableStyleId>
+              </a:tblPr>
+              <a:tblGrid>
+                <a:gridCol w="3731173">
+                  <a:extLst>
+                    <a:ext uri="{9D8B030D-6E8A-4147-A177-3AD203B41FA5}">
+                      <a16:colId xmlns:a16="http://schemas.microsoft.com/office/drawing/2014/main" val="2250984919"/>
+                    </a:ext>
+                  </a:extLst>
+                </a:gridCol>
+                <a:gridCol w="3486368">
+                  <a:extLst>
+                    <a:ext uri="{9D8B030D-6E8A-4147-A177-3AD203B41FA5}">
+                      <a16:colId xmlns:a16="http://schemas.microsoft.com/office/drawing/2014/main" val="2097776772"/>
+                    </a:ext>
+                  </a:extLst>
+                </a:gridCol>
+              </a:tblGrid>
+              <a:tr h="443049">
+                <a:tc>
+                  <a:txBody>
+                    <a:bodyPr/>
+                    <a:lstStyle/>
+                    <a:p>
+                      <a:pPr algn="ctr"/>
+                      <a:r>
+                        <a:rPr lang="en-001" dirty="0"/>
+                        <a:t>STOCK</a:t>
+                      </a:r>
+                    </a:p>
+                  </a:txBody>
+                  <a:tcPr anchor="ctr"/>
+                </a:tc>
+                <a:tc>
+                  <a:txBody>
+                    <a:bodyPr/>
+                    <a:lstStyle/>
+                    <a:p>
+                      <a:pPr algn="ctr"/>
+                      <a:r>
+                        <a:rPr lang="en-001" dirty="0"/>
+                        <a:t>WEIGHT</a:t>
+                      </a:r>
+                    </a:p>
+                  </a:txBody>
+                  <a:tcPr anchor="ctr"/>
+                </a:tc>
+                <a:extLst>
+                  <a:ext uri="{0D108BD9-81ED-4DB2-BD59-A6C34878D82A}">
+                    <a16:rowId xmlns:a16="http://schemas.microsoft.com/office/drawing/2014/main" val="2237147739"/>
+                  </a:ext>
+                </a:extLst>
+              </a:tr>
+              <a:tr h="443049">
+                <a:tc>
+                  <a:txBody>
+                    <a:bodyPr/>
+                    <a:lstStyle/>
+                    <a:p>
+                      <a:pPr algn="ctr"/>
+                      <a:r>
+                        <a:rPr lang="en-001" dirty="0"/>
+                        <a:t>GME (Gamestop Corp.)</a:t>
+                      </a:r>
+                    </a:p>
+                  </a:txBody>
+                  <a:tcPr anchor="ctr"/>
+                </a:tc>
+                <a:tc>
+                  <a:txBody>
+                    <a:bodyPr/>
+                    <a:lstStyle/>
+                    <a:p>
+                      <a:pPr algn="ctr"/>
+                      <a:r>
+                        <a:rPr lang="en-001" dirty="0"/>
+                        <a:t>0.00000006</a:t>
+                      </a:r>
+                    </a:p>
+                  </a:txBody>
+                  <a:tcPr anchor="ctr"/>
+                </a:tc>
+                <a:extLst>
+                  <a:ext uri="{0D108BD9-81ED-4DB2-BD59-A6C34878D82A}">
+                    <a16:rowId xmlns:a16="http://schemas.microsoft.com/office/drawing/2014/main" val="573320085"/>
+                  </a:ext>
+                </a:extLst>
+              </a:tr>
+              <a:tr h="443049">
+                <a:tc>
+                  <a:txBody>
+                    <a:bodyPr/>
+                    <a:lstStyle/>
+                    <a:p>
+                      <a:pPr marL="0" marR="0" lvl="0" indent="0" algn="ctr" defTabSz="914400" rtl="0" eaLnBrk="1" fontAlgn="auto" latinLnBrk="0" hangingPunct="1">
+                        <a:lnSpc>
+                          <a:spcPct val="100000"/>
+                        </a:lnSpc>
+                        <a:spcBef>
+                          <a:spcPts val="0"/>
+                        </a:spcBef>
+                        <a:spcAft>
+                          <a:spcPts val="0"/>
+                        </a:spcAft>
+                        <a:buClrTx/>
+                        <a:buSzTx/>
+                        <a:buFontTx/>
+                        <a:buNone/>
+                        <a:tabLst/>
+                        <a:defRPr/>
+                      </a:pPr>
+                      <a:r>
+                        <a:rPr lang="en-001" dirty="0"/>
+                        <a:t>NOK (Nokia Oyj)</a:t>
+                      </a:r>
+                    </a:p>
+                  </a:txBody>
+                  <a:tcPr anchor="ctr"/>
+                </a:tc>
+                <a:tc>
+                  <a:txBody>
+                    <a:bodyPr/>
+                    <a:lstStyle/>
+                    <a:p>
+                      <a:pPr algn="ctr"/>
+                      <a:r>
+                        <a:rPr lang="en-001" dirty="0"/>
+                        <a:t>0.00000005</a:t>
+                      </a:r>
+                    </a:p>
+                  </a:txBody>
+                  <a:tcPr anchor="ctr"/>
+                </a:tc>
+                <a:extLst>
+                  <a:ext uri="{0D108BD9-81ED-4DB2-BD59-A6C34878D82A}">
+                    <a16:rowId xmlns:a16="http://schemas.microsoft.com/office/drawing/2014/main" val="1644242114"/>
+                  </a:ext>
+                </a:extLst>
+              </a:tr>
+              <a:tr h="443049">
+                <a:tc>
+                  <a:txBody>
+                    <a:bodyPr/>
+                    <a:lstStyle/>
+                    <a:p>
+                      <a:pPr algn="ctr"/>
+                      <a:r>
+                        <a:rPr lang="en-001" dirty="0"/>
+                        <a:t>NVDA (NVIDIA Corporation)</a:t>
+                      </a:r>
+                    </a:p>
+                  </a:txBody>
+                  <a:tcPr anchor="ctr"/>
+                </a:tc>
+                <a:tc>
+                  <a:txBody>
+                    <a:bodyPr/>
+                    <a:lstStyle/>
+                    <a:p>
+                      <a:pPr algn="ctr"/>
+                      <a:r>
+                        <a:rPr lang="en-001" dirty="0"/>
+                        <a:t>0.99999984</a:t>
+                      </a:r>
+                    </a:p>
+                  </a:txBody>
+                  <a:tcPr anchor="ctr"/>
+                </a:tc>
+                <a:extLst>
+                  <a:ext uri="{0D108BD9-81ED-4DB2-BD59-A6C34878D82A}">
+                    <a16:rowId xmlns:a16="http://schemas.microsoft.com/office/drawing/2014/main" val="1580130151"/>
+                  </a:ext>
+                </a:extLst>
+              </a:tr>
+              <a:tr h="443049">
+                <a:tc>
+                  <a:txBody>
+                    <a:bodyPr/>
+                    <a:lstStyle/>
+                    <a:p>
+                      <a:pPr algn="ctr"/>
+                      <a:r>
+                        <a:rPr lang="en-001" dirty="0"/>
+                        <a:t>TSLA (Tesla Inc.)</a:t>
+                      </a:r>
+                    </a:p>
+                  </a:txBody>
+                  <a:tcPr anchor="ctr"/>
+                </a:tc>
+                <a:tc>
+                  <a:txBody>
+                    <a:bodyPr/>
+                    <a:lstStyle/>
+                    <a:p>
+                      <a:pPr algn="ctr"/>
+                      <a:r>
+                        <a:rPr lang="en-001" dirty="0"/>
+                        <a:t>0.00000004</a:t>
+                      </a:r>
+                    </a:p>
+                  </a:txBody>
+                  <a:tcPr anchor="ctr"/>
+                </a:tc>
+                <a:extLst>
+                  <a:ext uri="{0D108BD9-81ED-4DB2-BD59-A6C34878D82A}">
+                    <a16:rowId xmlns:a16="http://schemas.microsoft.com/office/drawing/2014/main" val="2365191811"/>
+                  </a:ext>
+                </a:extLst>
+              </a:tr>
+            </a:tbl>
+          </a:graphicData>
+        </a:graphic>
+      </p:graphicFrame>
+      <p:pic>
+        <p:nvPicPr>
+          <p:cNvPr id="5" name="Picture 4" descr="Angled shot of pen on a graph">
+            <a:extLst>
+              <a:ext uri="{FF2B5EF4-FFF2-40B4-BE49-F238E27FC236}">
+                <a16:creationId xmlns:a16="http://schemas.microsoft.com/office/drawing/2014/main" id="{F6B06FEF-5389-9978-6221-FCA28BD9A074}"/>
+              </a:ext>
+            </a:extLst>
+          </p:cNvPr>
+          <p:cNvPicPr>
+            <a:picLocks noChangeAspect="1"/>
+          </p:cNvPicPr>
+          <p:nvPr/>
+        </p:nvPicPr>
+        <p:blipFill rotWithShape="1">
+          <a:blip r:embed="rId2"/>
+          <a:srcRect l="12428" r="49894" b="-1"/>
+          <a:stretch/>
+        </p:blipFill>
+        <p:spPr>
+          <a:xfrm>
+            <a:off x="8321011" y="10"/>
+            <a:ext cx="3870989" cy="6857990"/>
+          </a:xfrm>
+          <a:prstGeom prst="rect">
+            <a:avLst/>
+          </a:prstGeom>
+        </p:spPr>
+      </p:pic>
       <p:sp>
         <p:nvSpPr>
-          <p:cNvPr id="18" name="Rectangle 17">
-            <a:extLst>
-              <a:ext uri="{FF2B5EF4-FFF2-40B4-BE49-F238E27FC236}">
-                <a16:creationId xmlns:a16="http://schemas.microsoft.com/office/drawing/2014/main" id="{8576A6EA-4B09-480F-BB03-9616027234E4}"/>
+          <p:cNvPr id="6" name="TextBox 5">
+            <a:extLst>
+              <a:ext uri="{FF2B5EF4-FFF2-40B4-BE49-F238E27FC236}">
+                <a16:creationId xmlns:a16="http://schemas.microsoft.com/office/drawing/2014/main" id="{0535076C-1118-CCC5-CBEE-C6FCD0C5D1E3}"/>
+              </a:ext>
+            </a:extLst>
+          </p:cNvPr>
+          <p:cNvSpPr txBox="1"/>
+          <p:nvPr/>
+        </p:nvSpPr>
+        <p:spPr>
+          <a:xfrm>
+            <a:off x="714705" y="2364455"/>
+            <a:ext cx="7217540" cy="1200329"/>
+          </a:xfrm>
+          <a:prstGeom prst="rect">
+            <a:avLst/>
+          </a:prstGeom>
+          <a:noFill/>
+        </p:spPr>
+        <p:txBody>
+          <a:bodyPr wrap="square" rtlCol="0">
+            <a:spAutoFit/>
+          </a:bodyPr>
+          <a:lstStyle/>
+          <a:p>
+            <a:r>
+              <a:rPr lang="en-001" dirty="0"/>
+              <a:t>Using the efficient frontier, weights for each stock are established. As shown below, the optimum portfolio is one almost solely invested in NVDA, with only token amounts invested in GME, NOK and TSLA, based on data from the past year.</a:t>
+            </a:r>
+          </a:p>
+        </p:txBody>
+      </p:sp>
+    </p:spTree>
+    <p:extLst>
+      <p:ext uri="{BB962C8B-B14F-4D97-AF65-F5344CB8AC3E}">
+        <p14:creationId xmlns:p14="http://schemas.microsoft.com/office/powerpoint/2010/main" val="197005483"/>
+      </p:ext>
+    </p:extLst>
+  </p:cSld>
+  <p:clrMapOvr>
+    <a:masterClrMapping/>
+  </p:clrMapOvr>
+</p:sld>
+</file>
+
+<file path=ppt/slides/slide15.xml><?xml version="1.0" encoding="utf-8"?>
+<p:sld xmlns:a="http://schemas.openxmlformats.org/drawingml/2006/main" xmlns:r="http://schemas.openxmlformats.org/officeDocument/2006/relationships" xmlns:p="http://schemas.openxmlformats.org/presentationml/2006/main">
+  <p:cSld>
+    <p:bg>
+      <p:bgPr>
+        <a:solidFill>
+          <a:schemeClr val="bg2"/>
+        </a:solidFill>
+        <a:effectLst/>
+      </p:bgPr>
+    </p:bg>
+    <p:spTree>
+      <p:nvGrpSpPr>
+        <p:cNvPr id="1" name=""/>
+        <p:cNvGrpSpPr/>
+        <p:nvPr/>
+      </p:nvGrpSpPr>
+      <p:grpSpPr>
+        <a:xfrm>
+          <a:off x="0" y="0"/>
+          <a:ext cx="0" cy="0"/>
+          <a:chOff x="0" y="0"/>
+          <a:chExt cx="0" cy="0"/>
+        </a:xfrm>
+      </p:grpSpPr>
+      <p:sp useBgFill="1">
+        <p:nvSpPr>
+          <p:cNvPr id="16" name="Rectangle 15">
+            <a:extLst>
+              <a:ext uri="{FF2B5EF4-FFF2-40B4-BE49-F238E27FC236}">
+                <a16:creationId xmlns:a16="http://schemas.microsoft.com/office/drawing/2014/main" id="{EEE96A74-B62B-4642-AB22-7776A5F48CE7}"/>
               </a:ext>
               <a:ext uri="{C183D7F6-B498-43B3-948B-1728B52AA6E4}">
                 <adec:decorative xmlns:adec="http://schemas.microsoft.com/office/drawing/2017/decorative" val="1"/>
@@ -10032,23 +10478,31 @@
         </p:nvSpPr>
         <p:spPr>
           <a:xfrm>
-            <a:off x="4425950" y="-1"/>
-            <a:ext cx="7766050" cy="6857993"/>
+            <a:off x="0" y="0"/>
+            <a:ext cx="12192000" cy="6858000"/>
           </a:xfrm>
           <a:prstGeom prst="rect">
             <a:avLst/>
           </a:prstGeom>
-          <a:solidFill>
-            <a:schemeClr val="bg1">
-              <a:alpha val="20000"/>
-            </a:schemeClr>
-          </a:solidFill>
           <a:ln w="12700" cap="flat" cmpd="sng" algn="ctr">
             <a:noFill/>
             <a:prstDash val="solid"/>
             <a:miter lim="800000"/>
           </a:ln>
           <a:effectLst/>
+          <a:extLst>
+            <a:ext uri="{91240B29-F687-4F45-9708-019B960494DF}">
+              <a14:hiddenLine xmlns:a14="http://schemas.microsoft.com/office/drawing/2010/main" w="12700" cap="flat" cmpd="sng" algn="ctr">
+                <a:solidFill>
+                  <a:schemeClr val="accent1">
+                    <a:shade val="50000"/>
+                  </a:schemeClr>
+                </a:solidFill>
+                <a:prstDash val="solid"/>
+                <a:miter lim="800000"/>
+              </a14:hiddenLine>
+            </a:ext>
+          </a:extLst>
         </p:spPr>
         <p:style>
           <a:lnRef idx="2">
@@ -10071,6 +10525,114 @@
           <a:lstStyle/>
           <a:p>
             <a:pPr algn="ctr"/>
+            <a:endParaRPr lang="en-US"/>
+          </a:p>
+        </p:txBody>
+      </p:sp>
+      <p:sp>
+        <p:nvSpPr>
+          <p:cNvPr id="2" name="Title 1">
+            <a:extLst>
+              <a:ext uri="{FF2B5EF4-FFF2-40B4-BE49-F238E27FC236}">
+                <a16:creationId xmlns:a16="http://schemas.microsoft.com/office/drawing/2014/main" id="{2311AFEC-4711-A090-E647-BB86A4C20EBF}"/>
+              </a:ext>
+            </a:extLst>
+          </p:cNvPr>
+          <p:cNvSpPr>
+            <a:spLocks noGrp="1"/>
+          </p:cNvSpPr>
+          <p:nvPr>
+            <p:ph type="title"/>
+          </p:nvPr>
+        </p:nvSpPr>
+        <p:spPr>
+          <a:xfrm>
+            <a:off x="541338" y="1079500"/>
+            <a:ext cx="3322637" cy="4689475"/>
+          </a:xfrm>
+        </p:spPr>
+        <p:txBody>
+          <a:bodyPr anchor="ctr">
+            <a:normAutofit/>
+          </a:bodyPr>
+          <a:lstStyle/>
+          <a:p>
+            <a:pPr algn="ctr"/>
+            <a:r>
+              <a:rPr lang="en-GB" sz="1800"/>
+              <a:t>F</a:t>
+            </a:r>
+            <a:r>
+              <a:rPr lang="en-001" sz="1800"/>
+              <a:t>inal analysis and recommendations</a:t>
+            </a:r>
+          </a:p>
+        </p:txBody>
+      </p:sp>
+      <p:sp>
+        <p:nvSpPr>
+          <p:cNvPr id="18" name="Rectangle 17">
+            <a:extLst>
+              <a:ext uri="{FF2B5EF4-FFF2-40B4-BE49-F238E27FC236}">
+                <a16:creationId xmlns:a16="http://schemas.microsoft.com/office/drawing/2014/main" id="{8576A6EA-4B09-480F-BB03-9616027234E4}"/>
+              </a:ext>
+              <a:ext uri="{C183D7F6-B498-43B3-948B-1728B52AA6E4}">
+                <adec:decorative xmlns:adec="http://schemas.microsoft.com/office/drawing/2017/decorative" val="1"/>
+              </a:ext>
+            </a:extLst>
+          </p:cNvPr>
+          <p:cNvSpPr>
+            <a:spLocks noGrp="1" noRot="1" noChangeAspect="1" noMove="1" noResize="1" noEditPoints="1" noAdjustHandles="1" noChangeArrowheads="1" noChangeShapeType="1" noTextEdit="1"/>
+          </p:cNvSpPr>
+          <p:nvPr>
+            <p:extLst>
+              <p:ext uri="{386F3935-93C4-4BCD-93E2-E3B085C9AB24}">
+                <p16:designElem xmlns:p16="http://schemas.microsoft.com/office/powerpoint/2015/main" val="1"/>
+              </p:ext>
+            </p:extLst>
+          </p:nvPr>
+        </p:nvSpPr>
+        <p:spPr>
+          <a:xfrm>
+            <a:off x="4425950" y="-1"/>
+            <a:ext cx="7766050" cy="6857993"/>
+          </a:xfrm>
+          <a:prstGeom prst="rect">
+            <a:avLst/>
+          </a:prstGeom>
+          <a:solidFill>
+            <a:schemeClr val="bg1">
+              <a:alpha val="20000"/>
+            </a:schemeClr>
+          </a:solidFill>
+          <a:ln w="12700" cap="flat" cmpd="sng" algn="ctr">
+            <a:noFill/>
+            <a:prstDash val="solid"/>
+            <a:miter lim="800000"/>
+          </a:ln>
+          <a:effectLst/>
+        </p:spPr>
+        <p:style>
+          <a:lnRef idx="2">
+            <a:schemeClr val="accent1">
+              <a:shade val="50000"/>
+            </a:schemeClr>
+          </a:lnRef>
+          <a:fillRef idx="1">
+            <a:schemeClr val="accent1"/>
+          </a:fillRef>
+          <a:effectRef idx="0">
+            <a:schemeClr val="accent1"/>
+          </a:effectRef>
+          <a:fontRef idx="minor">
+            <a:schemeClr val="lt1"/>
+          </a:fontRef>
+        </p:style>
+        <p:txBody>
+          <a:bodyPr rtlCol="0" anchor="ctr"/>
+          <a:lstStyle/>
+          <a:p>
+            <a:pPr algn="ctr"/>
             <a:endParaRPr lang="en-US" dirty="0"/>
           </a:p>
         </p:txBody>
@@ -10091,7 +10653,7 @@
             <p:ph idx="1"/>
             <p:extLst>
               <p:ext uri="{D42A27DB-BD31-4B8C-83A1-F6EECF244321}">
-                <p14:modId xmlns:p14="http://schemas.microsoft.com/office/powerpoint/2010/main" val="297951844"/>
+                <p14:modId xmlns:p14="http://schemas.microsoft.com/office/powerpoint/2010/main" val="4289469882"/>
               </p:ext>
             </p:extLst>
           </p:nvPr>
@@ -11921,7 +12483,7 @@
       </p:grpSpPr>
       <p:sp useBgFill="1">
         <p:nvSpPr>
-          <p:cNvPr id="19" name="Rectangle 18">
+          <p:cNvPr id="33" name="Rectangle 32">
             <a:extLst>
               <a:ext uri="{FF2B5EF4-FFF2-40B4-BE49-F238E27FC236}">
                 <a16:creationId xmlns:a16="http://schemas.microsoft.com/office/drawing/2014/main" id="{DB66C9CD-6BF4-44CA-8078-0BB819080761}"/>
@@ -12038,10 +12600,10 @@
       </p:sp>
       <p:pic>
         <p:nvPicPr>
-          <p:cNvPr id="5" name="Picture 4" descr="A table of numbers and numbers&#10;&#10;Description automatically generated">
-            <a:extLst>
-              <a:ext uri="{FF2B5EF4-FFF2-40B4-BE49-F238E27FC236}">
-                <a16:creationId xmlns:a16="http://schemas.microsoft.com/office/drawing/2014/main" id="{1295FF1F-6E3D-D3AB-DE38-4FBB34F5191E}"/>
+          <p:cNvPr id="6" name="Picture 5" descr="A table of numbers with numbers&#10;&#10;Description automatically generated">
+            <a:extLst>
+              <a:ext uri="{FF2B5EF4-FFF2-40B4-BE49-F238E27FC236}">
+                <a16:creationId xmlns:a16="http://schemas.microsoft.com/office/drawing/2014/main" id="{C71BBF4B-3680-D755-C289-3A84BC80C9CD}"/>
               </a:ext>
             </a:extLst>
           </p:cNvPr>
@@ -12052,7 +12614,7 @@
         </p:nvPicPr>
         <p:blipFill rotWithShape="1">
           <a:blip r:embed="rId2"/>
-          <a:srcRect r="46237"/>
+          <a:srcRect r="22679"/>
           <a:stretch/>
         </p:blipFill>
         <p:spPr>
@@ -12067,7 +12629,7 @@
       </p:pic>
       <p:cxnSp>
         <p:nvCxnSpPr>
-          <p:cNvPr id="21" name="Straight Connector 20">
+          <p:cNvPr id="35" name="Straight Connector 34">
             <a:extLst>
               <a:ext uri="{FF2B5EF4-FFF2-40B4-BE49-F238E27FC236}">
                 <a16:creationId xmlns:a16="http://schemas.microsoft.com/office/drawing/2014/main" id="{77C6DF49-CBE3-4038-AC78-35DE4FD7CE8E}"/>
@@ -12141,16 +12703,26 @@
         </p:spPr>
         <p:txBody>
           <a:bodyPr>
-            <a:normAutofit lnSpcReduction="10000"/>
+            <a:normAutofit/>
           </a:bodyPr>
           <a:lstStyle/>
           <a:p>
+            <a:pPr>
+              <a:lnSpc>
+                <a:spcPct val="115000"/>
+              </a:lnSpc>
+            </a:pPr>
             <a:r>
               <a:rPr lang="en-001" dirty="0"/>
-              <a:t>These four stocks (‘GME’, ’NOK’, ‘NVDA’ and ‘TSLA’) were compared from June 1, 2023 to June 1, 2024.</a:t>
+              <a:t>These four stocks (‘GME’, ’NOK’, ‘NVDA’ and ‘TSLA’) were compared from June 1, 2023 to May 30, 2024.</a:t>
             </a:r>
           </a:p>
           <a:p>
+            <a:pPr>
+              <a:lnSpc>
+                <a:spcPct val="115000"/>
+              </a:lnSpc>
+            </a:pPr>
             <a:r>
               <a:rPr lang="en-001" dirty="0"/>
               <a:t>For the purposes of this presentation, we will review adjusted closing prices, average rate of returns, standard deviations, covariances and recommended portfolios based on this information.</a:t>
@@ -12158,6 +12730,9 @@
           </a:p>
           <a:p>
             <a:pPr marL="0" indent="0">
+              <a:lnSpc>
+                <a:spcPct val="115000"/>
+              </a:lnSpc>
               <a:buNone/>
             </a:pPr>
             <a:endParaRPr lang="en-001" dirty="0"/>
@@ -12562,7 +13137,7 @@
       </p:grpSpPr>
       <p:sp useBgFill="1">
         <p:nvSpPr>
-          <p:cNvPr id="22" name="Rectangle 21">
+          <p:cNvPr id="28" name="Rectangle 27">
             <a:extLst>
               <a:ext uri="{FF2B5EF4-FFF2-40B4-BE49-F238E27FC236}">
                 <a16:creationId xmlns:a16="http://schemas.microsoft.com/office/drawing/2014/main" id="{1AEB7F98-32EC-40D3-89EE-C8433023163A}"/>
@@ -12666,19 +13241,19 @@
           <a:p>
             <a:pPr algn="ctr"/>
             <a:r>
-              <a:rPr lang="en-GB"/>
-              <a:t>D</a:t>
+              <a:rPr lang="en-GB" dirty="0"/>
+              <a:t>weekly</a:t>
             </a:r>
             <a:r>
-              <a:rPr lang="en-001"/>
-              <a:t>aily rates of return</a:t>
+              <a:rPr lang="en-001" dirty="0"/>
+              <a:t> rates of return</a:t>
             </a:r>
           </a:p>
         </p:txBody>
       </p:sp>
       <p:cxnSp>
         <p:nvCxnSpPr>
-          <p:cNvPr id="23" name="Straight Connector 22">
+          <p:cNvPr id="30" name="Straight Connector 29">
             <a:extLst>
               <a:ext uri="{FF2B5EF4-FFF2-40B4-BE49-F238E27FC236}">
                 <a16:creationId xmlns:a16="http://schemas.microsoft.com/office/drawing/2014/main" id="{77C6DF49-CBE3-4038-AC78-35DE4FD7CE8E}"/>
@@ -12771,7 +13346,7 @@
             </a:r>
             <a:r>
               <a:rPr lang="en-001" sz="1700" dirty="0"/>
-              <a:t>e four stocks. It is evident, that especially recently, GameStop had significant changes ranging from .6% increase to a -.3% decrease. Nokia’s returns were more stable </a:t>
+              <a:t>e four stocks. It is evident, that especially recently, GameStop had significant changes ranging from .4% increase to a -.15% decrease. Nokia’s returns were more stable </a:t>
             </a:r>
             <a:r>
               <a:rPr lang="en-GB" sz="1700" dirty="0" err="1"/>
@@ -12786,7 +13361,7 @@
       </p:sp>
       <p:sp>
         <p:nvSpPr>
-          <p:cNvPr id="21" name="Rectangle 20">
+          <p:cNvPr id="32" name="Rectangle 31">
             <a:extLst>
               <a:ext uri="{FF2B5EF4-FFF2-40B4-BE49-F238E27FC236}">
                 <a16:creationId xmlns:a16="http://schemas.microsoft.com/office/drawing/2014/main" id="{DAD9000E-708C-464D-A86F-4ABE391B6BE8}"/>
@@ -12860,10 +13435,10 @@
       </p:sp>
       <p:pic>
         <p:nvPicPr>
-          <p:cNvPr id="5" name="Picture 4" descr="A graph of a graph&#10;&#10;Description automatically generated with medium confidence">
-            <a:extLst>
-              <a:ext uri="{FF2B5EF4-FFF2-40B4-BE49-F238E27FC236}">
-                <a16:creationId xmlns:a16="http://schemas.microsoft.com/office/drawing/2014/main" id="{AD1174CE-22FB-8321-1B92-A3F20D5C53B1}"/>
+          <p:cNvPr id="6" name="Picture 5" descr="A graph of a graph&#10;&#10;Description automatically generated with medium confidence">
+            <a:extLst>
+              <a:ext uri="{FF2B5EF4-FFF2-40B4-BE49-F238E27FC236}">
+                <a16:creationId xmlns:a16="http://schemas.microsoft.com/office/drawing/2014/main" id="{E0FD3E36-2793-9B18-94EA-C4ADD44A3E8B}"/>
               </a:ext>
             </a:extLst>
           </p:cNvPr>
@@ -12880,8 +13455,8 @@
         </p:blipFill>
         <p:spPr>
           <a:xfrm>
-            <a:off x="5537200" y="1318407"/>
-            <a:ext cx="6113812" cy="4218530"/>
+            <a:off x="5537200" y="1356619"/>
+            <a:ext cx="6113812" cy="4142107"/>
           </a:xfrm>
           <a:prstGeom prst="rect">
             <a:avLst/>
